--- a/pres-source/06-hadoop-adjuncts.pptx
+++ b/pres-source/06-hadoop-adjuncts.pptx
@@ -5,13 +5,16 @@
     <p:sldMasterId id="2147483648" r:id="rId1"/>
   </p:sldMasterIdLst>
   <p:notesMasterIdLst>
-    <p:notesMasterId r:id="rId6"/>
+    <p:notesMasterId r:id="rId9"/>
   </p:notesMasterIdLst>
   <p:sldIdLst>
     <p:sldId id="256" r:id="rId2"/>
     <p:sldId id="257" r:id="rId3"/>
-    <p:sldId id="259" r:id="rId4"/>
-    <p:sldId id="258" r:id="rId5"/>
+    <p:sldId id="260" r:id="rId4"/>
+    <p:sldId id="261" r:id="rId5"/>
+    <p:sldId id="262" r:id="rId6"/>
+    <p:sldId id="263" r:id="rId7"/>
+    <p:sldId id="258" r:id="rId8"/>
   </p:sldIdLst>
   <p:sldSz cx="9144000" cy="6858000" type="screen4x3"/>
   <p:notesSz cx="6858000" cy="9144000"/>
@@ -200,7 +203,7 @@
             <a:fld id="{7307762F-A706-E543-A832-3C298AA3103F}" type="datetimeFigureOut">
               <a:rPr lang="en-US" smtClean="0"/>
               <a:pPr/>
-              <a:t>03/09/15</a:t>
+              <a:t>17/10/15</a:t>
             </a:fld>
             <a:endParaRPr lang="en-US" dirty="0"/>
           </a:p>
@@ -767,7 +770,7 @@
           <a:p>
             <a:fld id="{875CF0EB-321F-0749-B37A-89BBA859503C}" type="datetimeFigureOut">
               <a:rPr lang="en-US" smtClean="0"/>
-              <a:t>03/09/15</a:t>
+              <a:t>17/10/15</a:t>
             </a:fld>
             <a:endParaRPr lang="en-US"/>
           </a:p>
@@ -971,7 +974,7 @@
           <a:p>
             <a:fld id="{875CF0EB-321F-0749-B37A-89BBA859503C}" type="datetimeFigureOut">
               <a:rPr lang="en-US" smtClean="0"/>
-              <a:t>03/09/15</a:t>
+              <a:t>17/10/15</a:t>
             </a:fld>
             <a:endParaRPr lang="en-US"/>
           </a:p>
@@ -1165,7 +1168,7 @@
           <a:p>
             <a:fld id="{875CF0EB-321F-0749-B37A-89BBA859503C}" type="datetimeFigureOut">
               <a:rPr lang="en-US" smtClean="0"/>
-              <a:t>03/09/15</a:t>
+              <a:t>17/10/15</a:t>
             </a:fld>
             <a:endParaRPr lang="en-US"/>
           </a:p>
@@ -1435,7 +1438,7 @@
           <a:p>
             <a:fld id="{875CF0EB-321F-0749-B37A-89BBA859503C}" type="datetimeFigureOut">
               <a:rPr lang="en-US" smtClean="0"/>
-              <a:t>03/09/15</a:t>
+              <a:t>17/10/15</a:t>
             </a:fld>
             <a:endParaRPr lang="en-US"/>
           </a:p>
@@ -1747,7 +1750,7 @@
           <a:p>
             <a:fld id="{875CF0EB-321F-0749-B37A-89BBA859503C}" type="datetimeFigureOut">
               <a:rPr lang="en-US" smtClean="0"/>
-              <a:t>03/09/15</a:t>
+              <a:t>17/10/15</a:t>
             </a:fld>
             <a:endParaRPr lang="en-US"/>
           </a:p>
@@ -2193,7 +2196,7 @@
           <a:p>
             <a:fld id="{875CF0EB-321F-0749-B37A-89BBA859503C}" type="datetimeFigureOut">
               <a:rPr lang="en-US" smtClean="0"/>
-              <a:t>03/09/15</a:t>
+              <a:t>17/10/15</a:t>
             </a:fld>
             <a:endParaRPr lang="en-US"/>
           </a:p>
@@ -2335,7 +2338,7 @@
           <a:p>
             <a:fld id="{875CF0EB-321F-0749-B37A-89BBA859503C}" type="datetimeFigureOut">
               <a:rPr lang="en-US" smtClean="0"/>
-              <a:t>03/09/15</a:t>
+              <a:t>17/10/15</a:t>
             </a:fld>
             <a:endParaRPr lang="en-US"/>
           </a:p>
@@ -2454,7 +2457,7 @@
           <a:p>
             <a:fld id="{875CF0EB-321F-0749-B37A-89BBA859503C}" type="datetimeFigureOut">
               <a:rPr lang="en-US" smtClean="0"/>
-              <a:t>03/09/15</a:t>
+              <a:t>17/10/15</a:t>
             </a:fld>
             <a:endParaRPr lang="en-US"/>
           </a:p>
@@ -2755,7 +2758,7 @@
           <a:p>
             <a:fld id="{875CF0EB-321F-0749-B37A-89BBA859503C}" type="datetimeFigureOut">
               <a:rPr lang="en-US" smtClean="0"/>
-              <a:t>03/09/15</a:t>
+              <a:t>17/10/15</a:t>
             </a:fld>
             <a:endParaRPr lang="en-US"/>
           </a:p>
@@ -3032,7 +3035,7 @@
           <a:p>
             <a:fld id="{875CF0EB-321F-0749-B37A-89BBA859503C}" type="datetimeFigureOut">
               <a:rPr lang="en-US" smtClean="0"/>
-              <a:t>03/09/15</a:t>
+              <a:t>17/10/15</a:t>
             </a:fld>
             <a:endParaRPr lang="en-US"/>
           </a:p>
@@ -4185,7 +4188,11 @@
           <a:bodyPr/>
           <a:lstStyle/>
           <a:p>
-            <a:endParaRPr lang="en-US"/>
+            <a:r>
+              <a:rPr lang="en-US" dirty="0" smtClean="0"/>
+              <a:t>Apache Pig</a:t>
+            </a:r>
+            <a:endParaRPr lang="en-US" dirty="0"/>
           </a:p>
         </p:txBody>
       </p:sp>
@@ -4211,7 +4218,7 @@
     </p:spTree>
     <p:extLst>
       <p:ext uri="{BB962C8B-B14F-4D97-AF65-F5344CB8AC3E}">
-        <p14:creationId xmlns:p14="http://schemas.microsoft.com/office/powerpoint/2010/main" val="2116658494"/>
+        <p14:creationId xmlns:p14="http://schemas.microsoft.com/office/powerpoint/2010/main" val="350456589"/>
       </p:ext>
     </p:extLst>
   </p:cSld>
@@ -4222,6 +4229,226 @@
 </file>
 
 <file path=ppt/slides/slide4.xml><?xml version="1.0" encoding="utf-8"?>
+<p:sld xmlns:a="http://schemas.openxmlformats.org/drawingml/2006/main" xmlns:r="http://schemas.openxmlformats.org/officeDocument/2006/relationships" xmlns:p="http://schemas.openxmlformats.org/presentationml/2006/main">
+  <p:cSld>
+    <p:spTree>
+      <p:nvGrpSpPr>
+        <p:cNvPr id="1" name=""/>
+        <p:cNvGrpSpPr/>
+        <p:nvPr/>
+      </p:nvGrpSpPr>
+      <p:grpSpPr>
+        <a:xfrm>
+          <a:off x="0" y="0"/>
+          <a:ext cx="0" cy="0"/>
+          <a:chOff x="0" y="0"/>
+          <a:chExt cx="0" cy="0"/>
+        </a:xfrm>
+      </p:grpSpPr>
+      <p:sp>
+        <p:nvSpPr>
+          <p:cNvPr id="2" name="Title 1"/>
+          <p:cNvSpPr>
+            <a:spLocks noGrp="1"/>
+          </p:cNvSpPr>
+          <p:nvPr>
+            <p:ph type="title"/>
+          </p:nvPr>
+        </p:nvSpPr>
+        <p:spPr/>
+        <p:txBody>
+          <a:bodyPr/>
+          <a:lstStyle/>
+          <a:p>
+            <a:r>
+              <a:rPr lang="en-US" dirty="0" smtClean="0"/>
+              <a:t>Apache Hive</a:t>
+            </a:r>
+            <a:endParaRPr lang="en-US" dirty="0"/>
+          </a:p>
+        </p:txBody>
+      </p:sp>
+      <p:sp>
+        <p:nvSpPr>
+          <p:cNvPr id="3" name="Content Placeholder 2"/>
+          <p:cNvSpPr>
+            <a:spLocks noGrp="1"/>
+          </p:cNvSpPr>
+          <p:nvPr>
+            <p:ph idx="1"/>
+          </p:nvPr>
+        </p:nvSpPr>
+        <p:spPr/>
+        <p:txBody>
+          <a:bodyPr/>
+          <a:lstStyle/>
+          <a:p>
+            <a:endParaRPr lang="en-US"/>
+          </a:p>
+        </p:txBody>
+      </p:sp>
+    </p:spTree>
+    <p:extLst>
+      <p:ext uri="{BB962C8B-B14F-4D97-AF65-F5344CB8AC3E}">
+        <p14:creationId xmlns:p14="http://schemas.microsoft.com/office/powerpoint/2010/main" val="722359811"/>
+      </p:ext>
+    </p:extLst>
+  </p:cSld>
+  <p:clrMapOvr>
+    <a:masterClrMapping/>
+  </p:clrMapOvr>
+</p:sld>
+</file>
+
+<file path=ppt/slides/slide5.xml><?xml version="1.0" encoding="utf-8"?>
+<p:sld xmlns:a="http://schemas.openxmlformats.org/drawingml/2006/main" xmlns:r="http://schemas.openxmlformats.org/officeDocument/2006/relationships" xmlns:p="http://schemas.openxmlformats.org/presentationml/2006/main">
+  <p:cSld>
+    <p:spTree>
+      <p:nvGrpSpPr>
+        <p:cNvPr id="1" name=""/>
+        <p:cNvGrpSpPr/>
+        <p:nvPr/>
+      </p:nvGrpSpPr>
+      <p:grpSpPr>
+        <a:xfrm>
+          <a:off x="0" y="0"/>
+          <a:ext cx="0" cy="0"/>
+          <a:chOff x="0" y="0"/>
+          <a:chExt cx="0" cy="0"/>
+        </a:xfrm>
+      </p:grpSpPr>
+      <p:sp>
+        <p:nvSpPr>
+          <p:cNvPr id="2" name="Title 1"/>
+          <p:cNvSpPr>
+            <a:spLocks noGrp="1"/>
+          </p:cNvSpPr>
+          <p:nvPr>
+            <p:ph type="title"/>
+          </p:nvPr>
+        </p:nvSpPr>
+        <p:spPr/>
+        <p:txBody>
+          <a:bodyPr/>
+          <a:lstStyle/>
+          <a:p>
+            <a:r>
+              <a:rPr lang="en-US" dirty="0" smtClean="0"/>
+              <a:t>Apache </a:t>
+            </a:r>
+            <a:r>
+              <a:rPr lang="en-US" dirty="0" err="1" smtClean="0"/>
+              <a:t>HBase</a:t>
+            </a:r>
+            <a:endParaRPr lang="en-US" dirty="0"/>
+          </a:p>
+        </p:txBody>
+      </p:sp>
+      <p:sp>
+        <p:nvSpPr>
+          <p:cNvPr id="3" name="Content Placeholder 2"/>
+          <p:cNvSpPr>
+            <a:spLocks noGrp="1"/>
+          </p:cNvSpPr>
+          <p:nvPr>
+            <p:ph idx="1"/>
+          </p:nvPr>
+        </p:nvSpPr>
+        <p:spPr/>
+        <p:txBody>
+          <a:bodyPr/>
+          <a:lstStyle/>
+          <a:p>
+            <a:endParaRPr lang="en-US"/>
+          </a:p>
+        </p:txBody>
+      </p:sp>
+    </p:spTree>
+    <p:extLst>
+      <p:ext uri="{BB962C8B-B14F-4D97-AF65-F5344CB8AC3E}">
+        <p14:creationId xmlns:p14="http://schemas.microsoft.com/office/powerpoint/2010/main" val="363812753"/>
+      </p:ext>
+    </p:extLst>
+  </p:cSld>
+  <p:clrMapOvr>
+    <a:masterClrMapping/>
+  </p:clrMapOvr>
+</p:sld>
+</file>
+
+<file path=ppt/slides/slide6.xml><?xml version="1.0" encoding="utf-8"?>
+<p:sld xmlns:a="http://schemas.openxmlformats.org/drawingml/2006/main" xmlns:r="http://schemas.openxmlformats.org/officeDocument/2006/relationships" xmlns:p="http://schemas.openxmlformats.org/presentationml/2006/main">
+  <p:cSld>
+    <p:spTree>
+      <p:nvGrpSpPr>
+        <p:cNvPr id="1" name=""/>
+        <p:cNvGrpSpPr/>
+        <p:nvPr/>
+      </p:nvGrpSpPr>
+      <p:grpSpPr>
+        <a:xfrm>
+          <a:off x="0" y="0"/>
+          <a:ext cx="0" cy="0"/>
+          <a:chOff x="0" y="0"/>
+          <a:chExt cx="0" cy="0"/>
+        </a:xfrm>
+      </p:grpSpPr>
+      <p:sp>
+        <p:nvSpPr>
+          <p:cNvPr id="2" name="Title 1"/>
+          <p:cNvSpPr>
+            <a:spLocks noGrp="1"/>
+          </p:cNvSpPr>
+          <p:nvPr>
+            <p:ph type="title"/>
+          </p:nvPr>
+        </p:nvSpPr>
+        <p:spPr/>
+        <p:txBody>
+          <a:bodyPr/>
+          <a:lstStyle/>
+          <a:p>
+            <a:r>
+              <a:rPr lang="en-US" dirty="0" smtClean="0"/>
+              <a:t>Other related projects</a:t>
+            </a:r>
+            <a:endParaRPr lang="en-US" dirty="0"/>
+          </a:p>
+        </p:txBody>
+      </p:sp>
+      <p:sp>
+        <p:nvSpPr>
+          <p:cNvPr id="3" name="Content Placeholder 2"/>
+          <p:cNvSpPr>
+            <a:spLocks noGrp="1"/>
+          </p:cNvSpPr>
+          <p:nvPr>
+            <p:ph idx="1"/>
+          </p:nvPr>
+        </p:nvSpPr>
+        <p:spPr/>
+        <p:txBody>
+          <a:bodyPr/>
+          <a:lstStyle/>
+          <a:p>
+            <a:endParaRPr lang="en-US"/>
+          </a:p>
+        </p:txBody>
+      </p:sp>
+    </p:spTree>
+    <p:extLst>
+      <p:ext uri="{BB962C8B-B14F-4D97-AF65-F5344CB8AC3E}">
+        <p14:creationId xmlns:p14="http://schemas.microsoft.com/office/powerpoint/2010/main" val="1496414552"/>
+      </p:ext>
+    </p:extLst>
+  </p:cSld>
+  <p:clrMapOvr>
+    <a:masterClrMapping/>
+  </p:clrMapOvr>
+</p:sld>
+</file>
+
+<file path=ppt/slides/slide7.xml><?xml version="1.0" encoding="utf-8"?>
 <p:sld xmlns:a="http://schemas.openxmlformats.org/drawingml/2006/main" xmlns:r="http://schemas.openxmlformats.org/officeDocument/2006/relationships" xmlns:p="http://schemas.openxmlformats.org/presentationml/2006/main">
   <p:cSld>
     <p:spTree>
